--- a/Machine Learning in the Housing Market.pptx
+++ b/Machine Learning in the Housing Market.pptx
@@ -141,6 +141,9 @@
           </p14:sldIdLst>
         </p14:section>
       </p14:sectionLst>
+    </p:ext>
+    <p:ext uri="{EFAFB233-063F-42B5-8137-9DF3F51BA10A}">
+      <p15:sldGuideLst xmlns:p15="http://schemas.microsoft.com/office/powerpoint/2012/main"/>
     </p:ext>
   </p:extLst>
 </p:presentation>
@@ -756,20 +759,6 @@
 </pc:chgInfo>
 </file>
 
-<file path=ppt/comments/comment1.xml><?xml version="1.0" encoding="utf-8"?>
-<p:cmLst xmlns:a="http://schemas.openxmlformats.org/drawingml/2006/main" xmlns:r="http://schemas.openxmlformats.org/officeDocument/2006/relationships" xmlns:p="http://schemas.openxmlformats.org/presentationml/2006/main">
-  <p:cm authorId="1" dt="2020-05-30T12:49:57.138" idx="1">
-    <p:pos x="10" y="10"/>
-    <p:text/>
-    <p:extLst>
-      <p:ext uri="{C676402C-5697-4E1C-873F-D02D1690AC5C}">
-        <p15:threadingInfo xmlns:p15="http://schemas.microsoft.com/office/powerpoint/2012/main" timeZoneBias="420"/>
-      </p:ext>
-    </p:extLst>
-  </p:cm>
-</p:cmLst>
-</file>
-
 <file path=ppt/slideLayouts/slideLayout1.xml><?xml version="1.0" encoding="utf-8"?>
 <p:sldLayout xmlns:a="http://schemas.openxmlformats.org/drawingml/2006/main" xmlns:r="http://schemas.openxmlformats.org/officeDocument/2006/relationships" xmlns:p="http://schemas.openxmlformats.org/presentationml/2006/main" type="title" preserve="1">
   <p:cSld name="Title Slide">
@@ -1259,7 +1248,7 @@
           <a:p>
             <a:fld id="{72345051-2045-45DA-935E-2E3CA1A69ADC}" type="datetimeFigureOut">
               <a:rPr lang="en-US" smtClean="0"/>
-              <a:t>5/30/2020</a:t>
+              <a:t>6/1/2020</a:t>
             </a:fld>
             <a:endParaRPr lang="en-US"/>
           </a:p>
@@ -1457,7 +1446,7 @@
           <a:p>
             <a:fld id="{72345051-2045-45DA-935E-2E3CA1A69ADC}" type="datetimeFigureOut">
               <a:rPr lang="en-US" smtClean="0"/>
-              <a:t>5/30/2020</a:t>
+              <a:t>6/1/2020</a:t>
             </a:fld>
             <a:endParaRPr lang="en-US"/>
           </a:p>
@@ -1665,7 +1654,7 @@
           <a:p>
             <a:fld id="{72345051-2045-45DA-935E-2E3CA1A69ADC}" type="datetimeFigureOut">
               <a:rPr lang="en-US" smtClean="0"/>
-              <a:t>5/30/2020</a:t>
+              <a:t>6/1/2020</a:t>
             </a:fld>
             <a:endParaRPr lang="en-US"/>
           </a:p>
@@ -1888,7 +1877,7 @@
           <a:p>
             <a:fld id="{72345051-2045-45DA-935E-2E3CA1A69ADC}" type="datetimeFigureOut">
               <a:rPr lang="en-US" smtClean="0"/>
-              <a:t>5/30/2020</a:t>
+              <a:t>6/1/2020</a:t>
             </a:fld>
             <a:endParaRPr lang="en-US"/>
           </a:p>
@@ -2799,7 +2788,7 @@
           <a:p>
             <a:fld id="{72345051-2045-45DA-935E-2E3CA1A69ADC}" type="datetimeFigureOut">
               <a:rPr lang="en-US" smtClean="0"/>
-              <a:t>5/30/2020</a:t>
+              <a:t>6/1/2020</a:t>
             </a:fld>
             <a:endParaRPr lang="en-US"/>
           </a:p>
@@ -3403,7 +3392,7 @@
           <a:p>
             <a:fld id="{72345051-2045-45DA-935E-2E3CA1A69ADC}" type="datetimeFigureOut">
               <a:rPr lang="en-US" smtClean="0"/>
-              <a:t>5/30/2020</a:t>
+              <a:t>6/1/2020</a:t>
             </a:fld>
             <a:endParaRPr lang="en-US"/>
           </a:p>
@@ -4452,7 +4441,7 @@
           <a:p>
             <a:fld id="{72345051-2045-45DA-935E-2E3CA1A69ADC}" type="datetimeFigureOut">
               <a:rPr lang="en-US" smtClean="0"/>
-              <a:t>5/30/2020</a:t>
+              <a:t>6/1/2020</a:t>
             </a:fld>
             <a:endParaRPr lang="en-US"/>
           </a:p>
@@ -5236,7 +5225,7 @@
           <a:p>
             <a:fld id="{72345051-2045-45DA-935E-2E3CA1A69ADC}" type="datetimeFigureOut">
               <a:rPr lang="en-US" smtClean="0"/>
-              <a:t>5/30/2020</a:t>
+              <a:t>6/1/2020</a:t>
             </a:fld>
             <a:endParaRPr lang="en-US"/>
           </a:p>
@@ -5685,7 +5674,7 @@
           <a:p>
             <a:fld id="{72345051-2045-45DA-935E-2E3CA1A69ADC}" type="datetimeFigureOut">
               <a:rPr lang="en-US" smtClean="0"/>
-              <a:t>5/30/2020</a:t>
+              <a:t>6/1/2020</a:t>
             </a:fld>
             <a:endParaRPr lang="en-US"/>
           </a:p>
@@ -6002,7 +5991,7 @@
           <a:p>
             <a:fld id="{72345051-2045-45DA-935E-2E3CA1A69ADC}" type="datetimeFigureOut">
               <a:rPr lang="en-US" smtClean="0"/>
-              <a:t>5/30/2020</a:t>
+              <a:t>6/1/2020</a:t>
             </a:fld>
             <a:endParaRPr lang="en-US"/>
           </a:p>
@@ -6630,7 +6619,7 @@
           <a:p>
             <a:fld id="{72345051-2045-45DA-935E-2E3CA1A69ADC}" type="datetimeFigureOut">
               <a:rPr lang="en-US" smtClean="0"/>
-              <a:t>5/30/2020</a:t>
+              <a:t>6/1/2020</a:t>
             </a:fld>
             <a:endParaRPr lang="en-US"/>
           </a:p>
@@ -7205,7 +7194,7 @@
           <a:p>
             <a:fld id="{72345051-2045-45DA-935E-2E3CA1A69ADC}" type="datetimeFigureOut">
               <a:rPr lang="en-US" smtClean="0"/>
-              <a:t>5/30/2020</a:t>
+              <a:t>6/1/2020</a:t>
             </a:fld>
             <a:endParaRPr lang="en-US"/>
           </a:p>
@@ -8338,8 +8327,13 @@
           <a:p>
             <a:r>
               <a:rPr lang="en-US" dirty="0"/>
-              <a:t>Our Accuracy is at about 67 percent</a:t>
-            </a:r>
+              <a:t>Our Accuracy started out at about 50 percent but with more data and tweaking our model it is now at 70 </a:t>
+            </a:r>
+            <a:r>
+              <a:rPr lang="en-US" dirty="0" err="1"/>
+              <a:t>percen</a:t>
+            </a:r>
+            <a:endParaRPr lang="en-US" dirty="0"/>
           </a:p>
         </p:txBody>
       </p:sp>
@@ -8397,7 +8391,7 @@
         </p:blipFill>
         <p:spPr>
           <a:xfrm>
-            <a:off x="148288" y="3701559"/>
+            <a:off x="148288" y="5187813"/>
             <a:ext cx="6023911" cy="993531"/>
           </a:xfrm>
           <a:prstGeom prst="rect">
@@ -9181,7 +9175,7 @@
           <a:lstStyle/>
           <a:p>
             <a:r>
-              <a:rPr lang="en-US" dirty="0">
+              <a:rPr lang="en-US" sz="1800" dirty="0">
                 <a:latin typeface="Arial Narrow" panose="020B0606020202030204" pitchFamily="34" charset="0"/>
               </a:rPr>
               <a:t>First we need Data! </a:t>
@@ -9189,19 +9183,19 @@
           </a:p>
           <a:p>
             <a:r>
-              <a:rPr lang="en-US" dirty="0">
+              <a:rPr lang="en-US" sz="1800" dirty="0">
                 <a:latin typeface="Arial Narrow" panose="020B0606020202030204" pitchFamily="34" charset="0"/>
               </a:rPr>
               <a:t>The best route was to scrape the Portland MLS(multiple listing service) website: </a:t>
             </a:r>
             <a:r>
-              <a:rPr lang="en-US" dirty="0">
+              <a:rPr lang="en-US" sz="1800" dirty="0">
                 <a:latin typeface="Arial Narrow" panose="020B0606020202030204" pitchFamily="34" charset="0"/>
                 <a:hlinkClick r:id="rId2"/>
               </a:rPr>
               <a:t>https://www.portlandmlsdirect.com/</a:t>
             </a:r>
-            <a:endParaRPr lang="en-US" dirty="0">
+            <a:endParaRPr lang="en-US" sz="1800" dirty="0">
               <a:latin typeface="Arial Narrow" panose="020B0606020202030204" pitchFamily="34" charset="0"/>
             </a:endParaRPr>
           </a:p>
@@ -9220,6 +9214,53 @@
           </a:p>
         </p:txBody>
       </p:sp>
+      <p:pic>
+        <p:nvPicPr>
+          <p:cNvPr id="1028" name="Picture 4">
+            <a:extLst>
+              <a:ext uri="{FF2B5EF4-FFF2-40B4-BE49-F238E27FC236}">
+                <a16:creationId xmlns:a16="http://schemas.microsoft.com/office/drawing/2014/main" id="{DC01ADF5-D0AE-4FC5-8049-E8EF17AC4AAF}"/>
+              </a:ext>
+            </a:extLst>
+          </p:cNvPr>
+          <p:cNvPicPr>
+            <a:picLocks noChangeAspect="1" noChangeArrowheads="1"/>
+          </p:cNvPicPr>
+          <p:nvPr/>
+        </p:nvPicPr>
+        <p:blipFill>
+          <a:blip r:embed="rId3">
+            <a:extLst>
+              <a:ext uri="{28A0092B-C50C-407E-A947-70E740481C1C}">
+                <a14:useLocalDpi xmlns:a14="http://schemas.microsoft.com/office/drawing/2010/main" val="0"/>
+              </a:ext>
+            </a:extLst>
+          </a:blip>
+          <a:srcRect/>
+          <a:stretch>
+            <a:fillRect/>
+          </a:stretch>
+        </p:blipFill>
+        <p:spPr bwMode="auto">
+          <a:xfrm>
+            <a:off x="2164080" y="2875280"/>
+            <a:ext cx="7762240" cy="3982720"/>
+          </a:xfrm>
+          <a:prstGeom prst="rect">
+            <a:avLst/>
+          </a:prstGeom>
+          <a:noFill/>
+          <a:extLst>
+            <a:ext uri="{909E8E84-426E-40DD-AFC4-6F175D3DCCD1}">
+              <a14:hiddenFill xmlns:a14="http://schemas.microsoft.com/office/drawing/2010/main">
+                <a:solidFill>
+                  <a:srgbClr val="FFFFFF"/>
+                </a:solidFill>
+              </a14:hiddenFill>
+            </a:ext>
+          </a:extLst>
+        </p:spPr>
+      </p:pic>
     </p:spTree>
     <p:extLst>
       <p:ext uri="{BB962C8B-B14F-4D97-AF65-F5344CB8AC3E}">
@@ -9331,26 +9372,97 @@
             <p:ph sz="half" idx="2"/>
           </p:nvPr>
         </p:nvSpPr>
-        <p:spPr/>
+        <p:spPr>
+          <a:xfrm>
+            <a:off x="6172200" y="1753688"/>
+            <a:ext cx="5181600" cy="4251960"/>
+          </a:xfrm>
+        </p:spPr>
         <p:txBody>
-          <a:bodyPr/>
+          <a:bodyPr>
+            <a:noAutofit/>
+          </a:bodyPr>
           <a:lstStyle/>
           <a:p>
-            <a:r>
-              <a:rPr lang="en-US" dirty="0"/>
-              <a:t>We tried using splinter to navigate through every page that existed on the site but that was too slow</a:t>
-            </a:r>
-          </a:p>
-          <a:p>
-            <a:r>
-              <a:rPr lang="en-US" dirty="0"/>
-              <a:t>We pivoted to use splinter to collect all of the URLs in a list</a:t>
-            </a:r>
-          </a:p>
-          <a:p>
-            <a:r>
-              <a:rPr lang="en-US" dirty="0"/>
-              <a:t>Then used Beautiful Soup to iterate through that list and collect our data</a:t>
+            <a:pPr marL="0" indent="0">
+              <a:buNone/>
+            </a:pPr>
+            <a:r>
+              <a:rPr lang="en-US" sz="2400" b="1" u="sng" dirty="0"/>
+              <a:t>Obstacles: </a:t>
+            </a:r>
+          </a:p>
+          <a:p>
+            <a:pPr fontAlgn="base"/>
+            <a:r>
+              <a:rPr lang="en-US" sz="2400" dirty="0"/>
+              <a:t>Iterating over 1800+ listings each with their own </a:t>
+            </a:r>
+            <a:r>
+              <a:rPr lang="en-US" sz="2400" dirty="0" err="1"/>
+              <a:t>url</a:t>
+            </a:r>
+            <a:r>
+              <a:rPr lang="en-US" sz="2400" dirty="0"/>
+              <a:t>. </a:t>
+            </a:r>
+          </a:p>
+          <a:p>
+            <a:pPr fontAlgn="base"/>
+            <a:r>
+              <a:rPr lang="en-US" sz="2400" dirty="0"/>
+              <a:t>Grabbing several different data points over inconsistent html structures</a:t>
+            </a:r>
+          </a:p>
+          <a:p>
+            <a:pPr fontAlgn="base"/>
+            <a:r>
+              <a:rPr lang="en-US" sz="2400" dirty="0"/>
+              <a:t>Pop-ups!</a:t>
+            </a:r>
+            <a:br>
+              <a:rPr lang="en-US" sz="2400" dirty="0"/>
+            </a:br>
+            <a:r>
+              <a:rPr lang="en-US" sz="2400" b="1" u="sng" dirty="0"/>
+              <a:t>Our “Solutions”:</a:t>
+            </a:r>
+          </a:p>
+          <a:p>
+            <a:pPr fontAlgn="base"/>
+            <a:r>
+              <a:rPr lang="en-US" sz="2400" dirty="0"/>
+              <a:t>Create a list of </a:t>
+            </a:r>
+            <a:r>
+              <a:rPr lang="en-US" sz="2400" dirty="0" err="1"/>
+              <a:t>urls</a:t>
+            </a:r>
+            <a:r>
+              <a:rPr lang="en-US" sz="2400" dirty="0"/>
+              <a:t> (allowed us to scrape only new data on future scrapes)</a:t>
+            </a:r>
+          </a:p>
+          <a:p>
+            <a:pPr fontAlgn="base"/>
+            <a:r>
+              <a:rPr lang="en-US" sz="2400" dirty="0"/>
+              <a:t>Try/except and if/else statements to handle inconsistencies</a:t>
+            </a:r>
+          </a:p>
+          <a:p>
+            <a:pPr fontAlgn="base"/>
+            <a:r>
+              <a:rPr lang="en-US" sz="2400" dirty="0"/>
+              <a:t>Percentage tracker of scrape in progress (initial scrape took 3+ </a:t>
+            </a:r>
+            <a:r>
+              <a:rPr lang="en-US" sz="2400" dirty="0" err="1"/>
+              <a:t>hrs</a:t>
+            </a:r>
+            <a:r>
+              <a:rPr lang="en-US" sz="2400" dirty="0"/>
+              <a:t>)</a:t>
             </a:r>
           </a:p>
         </p:txBody>
@@ -9474,30 +9586,70 @@
           </a:xfrm>
         </p:spPr>
         <p:txBody>
-          <a:bodyPr/>
+          <a:bodyPr>
+            <a:normAutofit/>
+          </a:bodyPr>
           <a:lstStyle/>
           <a:p>
             <a:r>
-              <a:rPr lang="en-US" dirty="0"/>
+              <a:rPr lang="en-US" sz="2400" dirty="0"/>
               <a:t>Thankfully the format of each page was more or less uniform</a:t>
             </a:r>
           </a:p>
           <a:p>
             <a:r>
-              <a:rPr lang="en-US" dirty="0"/>
+              <a:rPr lang="en-US" sz="2400" dirty="0"/>
               <a:t>There were times where something wasn’t in the same spot as the other pages but we accounted for that</a:t>
             </a:r>
           </a:p>
           <a:p>
             <a:r>
-              <a:rPr lang="en-US" dirty="0"/>
-              <a:t>Data was then stored</a:t>
-            </a:r>
-          </a:p>
-          <a:p>
-            <a:r>
-              <a:rPr lang="en-US" dirty="0"/>
-              <a:t>There is also a scraper that updates our data with new listing information</a:t>
+              <a:rPr lang="en-US" sz="2400" dirty="0"/>
+              <a:t>Data was then stored as a csv</a:t>
+            </a:r>
+          </a:p>
+          <a:p>
+            <a:r>
+              <a:rPr lang="en-US" sz="2400" dirty="0"/>
+              <a:t>Built a </a:t>
+            </a:r>
+            <a:r>
+              <a:rPr lang="en-US" sz="2400" dirty="0" err="1"/>
+              <a:t>rescrape</a:t>
+            </a:r>
+            <a:r>
+              <a:rPr lang="en-US" sz="2400" dirty="0"/>
+              <a:t> tool that compares current listings on MLS website to previous </a:t>
+            </a:r>
+            <a:r>
+              <a:rPr lang="en-US" sz="2400" dirty="0" err="1"/>
+              <a:t>urls</a:t>
+            </a:r>
+            <a:r>
+              <a:rPr lang="en-US" sz="2400" dirty="0"/>
+              <a:t> we scraped. Any new </a:t>
+            </a:r>
+            <a:r>
+              <a:rPr lang="en-US" sz="2400" dirty="0" err="1"/>
+              <a:t>url</a:t>
+            </a:r>
+            <a:r>
+              <a:rPr lang="en-US" sz="2400" dirty="0"/>
+              <a:t> is scraped and stored into our database. </a:t>
+            </a:r>
+          </a:p>
+          <a:p>
+            <a:r>
+              <a:rPr lang="en-US" sz="2400" dirty="0"/>
+              <a:t>After 3 </a:t>
+            </a:r>
+            <a:r>
+              <a:rPr lang="en-US" sz="2400" dirty="0" err="1"/>
+              <a:t>rescrapes</a:t>
+            </a:r>
+            <a:r>
+              <a:rPr lang="en-US" sz="2400" dirty="0"/>
+              <a:t> we are up to 2200 points of data</a:t>
             </a:r>
           </a:p>
         </p:txBody>
@@ -9586,7 +9738,21 @@
           <a:p>
             <a:r>
               <a:rPr lang="en-US" dirty="0"/>
-              <a:t>Using the csv that we created from our scraper we made a database for our machine learning model to use later</a:t>
+              <a:t>Using the csv that we created from our scraper we made a </a:t>
+            </a:r>
+            <a:r>
+              <a:rPr lang="en-US" dirty="0" err="1"/>
+              <a:t>Sql</a:t>
+            </a:r>
+            <a:r>
+              <a:rPr lang="en-US" dirty="0"/>
+              <a:t> database for our machine learning model to use later</a:t>
+            </a:r>
+          </a:p>
+          <a:p>
+            <a:r>
+              <a:rPr lang="en-US" dirty="0"/>
+              <a:t>We used this code with our update scrapes. It allow us to automatically load new listings into database. </a:t>
             </a:r>
           </a:p>
         </p:txBody>
@@ -9728,22 +9894,14 @@
             <a:pPr lvl="1"/>
             <a:r>
               <a:rPr lang="en-US" dirty="0"/>
-              <a:t>The housing types had a lot of sub types which we simplified</a:t>
+              <a:t>The housing types had a lot of sub types which we simplified into four categories</a:t>
             </a:r>
           </a:p>
           <a:p>
             <a:pPr lvl="1"/>
             <a:r>
               <a:rPr lang="en-US" dirty="0"/>
-              <a:t>Changed </a:t>
-            </a:r>
-            <a:r>
-              <a:rPr lang="en-US" dirty="0" err="1"/>
-              <a:t>lot_size</a:t>
-            </a:r>
-            <a:r>
-              <a:rPr lang="en-US" dirty="0"/>
-              <a:t> to zero where the house was floating or condo</a:t>
+              <a:t>Changed lot size to zero where the house type was floating or condo</a:t>
             </a:r>
           </a:p>
           <a:p>
@@ -9871,20 +10029,30 @@
           </a:xfrm>
         </p:spPr>
         <p:txBody>
-          <a:bodyPr/>
+          <a:bodyPr>
+            <a:normAutofit fontScale="92500" lnSpcReduction="10000"/>
+          </a:bodyPr>
           <a:lstStyle/>
           <a:p>
+            <a:pPr fontAlgn="base"/>
             <a:r>
               <a:rPr lang="en-US" dirty="0"/>
-              <a:t>Changed </a:t>
+              <a:t>Made new data to train the model:</a:t>
+            </a:r>
+          </a:p>
+          <a:p>
+            <a:pPr lvl="1" fontAlgn="base"/>
+            <a:r>
+              <a:rPr lang="en-US" dirty="0"/>
+              <a:t>Grouped houses by school district and </a:t>
             </a:r>
             <a:r>
               <a:rPr lang="en-US" dirty="0" err="1"/>
-              <a:t>zipcode</a:t>
+              <a:t>zipcodes</a:t>
             </a:r>
             <a:r>
               <a:rPr lang="en-US" dirty="0"/>
-              <a:t> into numerical data ranked by mean housing price</a:t>
+              <a:t> to find average price of homes in those areas</a:t>
             </a:r>
           </a:p>
           <a:p>
@@ -9896,7 +10064,7 @@
           <a:p>
             <a:r>
               <a:rPr lang="en-US" dirty="0"/>
-              <a:t>Created 10 bins of price ranges</a:t>
+              <a:t>Created 5 price bins (ranges) with equal amount of homes in each</a:t>
             </a:r>
           </a:p>
           <a:p>

--- a/Machine Learning in the Housing Market.pptx
+++ b/Machine Learning in the Housing Market.pptx
@@ -8870,18 +8870,7 @@
               <a:rPr lang="en-US" sz="4400" dirty="0">
                 <a:latin typeface="Bookman Old Style" panose="02050604050505020204" pitchFamily="18" charset="0"/>
               </a:rPr>
-              <a:t>The Finished Product:</a:t>
-            </a:r>
-            <a:br>
-              <a:rPr lang="en-US" sz="4400" dirty="0">
-                <a:latin typeface="Bookman Old Style" panose="02050604050505020204" pitchFamily="18" charset="0"/>
-              </a:rPr>
-            </a:br>
-            <a:r>
-              <a:rPr lang="en-US" sz="4400" dirty="0">
-                <a:latin typeface="Bookman Old Style" panose="02050604050505020204" pitchFamily="18" charset="0"/>
-              </a:rPr>
-              <a:t>(place holder for Heroku link) </a:t>
+              <a:t>The Finished Product</a:t>
             </a:r>
           </a:p>
         </p:txBody>

--- a/Machine Learning in the Housing Market.pptx
+++ b/Machine Learning in the Housing Market.pptx
@@ -9588,12 +9588,6 @@
           <a:p>
             <a:r>
               <a:rPr lang="en-US" sz="2400" dirty="0"/>
-              <a:t>There were times where something wasn’t in the same spot as the other pages but we accounted for that</a:t>
-            </a:r>
-          </a:p>
-          <a:p>
-            <a:r>
-              <a:rPr lang="en-US" sz="2400" dirty="0"/>
               <a:t>Data was then stored as a csv</a:t>
             </a:r>
           </a:p>

--- a/Machine Learning in the Housing Market.pptx
+++ b/Machine Learning in the Housing Market.pptx
@@ -8327,13 +8327,8 @@
           <a:p>
             <a:r>
               <a:rPr lang="en-US" dirty="0"/>
-              <a:t>Our Accuracy started out at about 50 percent but with more data and tweaking our model it is now at 70 </a:t>
-            </a:r>
-            <a:r>
-              <a:rPr lang="en-US" dirty="0" err="1"/>
-              <a:t>percen</a:t>
-            </a:r>
-            <a:endParaRPr lang="en-US" dirty="0"/>
+              <a:t>Our Accuracy started out at about 50 percent but with more data and tweaking our model it is now at 70 percent</a:t>
+            </a:r>
           </a:p>
         </p:txBody>
       </p:sp>
